--- a/vendor/Presentation1.pptx
+++ b/vendor/Presentation1.pptx
@@ -262,7 +262,7 @@
           <a:p>
             <a:fld id="{3B5075FE-9510-4C86-B90D-100BD0AAB7EE}" type="datetimeFigureOut">
               <a:rPr lang="en-ID" smtClean="0"/>
-              <a:t>02/08/2023</a:t>
+              <a:t>26/08/2023</a:t>
             </a:fld>
             <a:endParaRPr lang="en-ID"/>
           </a:p>
@@ -462,7 +462,7 @@
           <a:p>
             <a:fld id="{3B5075FE-9510-4C86-B90D-100BD0AAB7EE}" type="datetimeFigureOut">
               <a:rPr lang="en-ID" smtClean="0"/>
-              <a:t>02/08/2023</a:t>
+              <a:t>26/08/2023</a:t>
             </a:fld>
             <a:endParaRPr lang="en-ID"/>
           </a:p>
@@ -672,7 +672,7 @@
           <a:p>
             <a:fld id="{3B5075FE-9510-4C86-B90D-100BD0AAB7EE}" type="datetimeFigureOut">
               <a:rPr lang="en-ID" smtClean="0"/>
-              <a:t>02/08/2023</a:t>
+              <a:t>26/08/2023</a:t>
             </a:fld>
             <a:endParaRPr lang="en-ID"/>
           </a:p>
@@ -872,7 +872,7 @@
           <a:p>
             <a:fld id="{3B5075FE-9510-4C86-B90D-100BD0AAB7EE}" type="datetimeFigureOut">
               <a:rPr lang="en-ID" smtClean="0"/>
-              <a:t>02/08/2023</a:t>
+              <a:t>26/08/2023</a:t>
             </a:fld>
             <a:endParaRPr lang="en-ID"/>
           </a:p>
@@ -1148,7 +1148,7 @@
           <a:p>
             <a:fld id="{3B5075FE-9510-4C86-B90D-100BD0AAB7EE}" type="datetimeFigureOut">
               <a:rPr lang="en-ID" smtClean="0"/>
-              <a:t>02/08/2023</a:t>
+              <a:t>26/08/2023</a:t>
             </a:fld>
             <a:endParaRPr lang="en-ID"/>
           </a:p>
@@ -1416,7 +1416,7 @@
           <a:p>
             <a:fld id="{3B5075FE-9510-4C86-B90D-100BD0AAB7EE}" type="datetimeFigureOut">
               <a:rPr lang="en-ID" smtClean="0"/>
-              <a:t>02/08/2023</a:t>
+              <a:t>26/08/2023</a:t>
             </a:fld>
             <a:endParaRPr lang="en-ID"/>
           </a:p>
@@ -1831,7 +1831,7 @@
           <a:p>
             <a:fld id="{3B5075FE-9510-4C86-B90D-100BD0AAB7EE}" type="datetimeFigureOut">
               <a:rPr lang="en-ID" smtClean="0"/>
-              <a:t>02/08/2023</a:t>
+              <a:t>26/08/2023</a:t>
             </a:fld>
             <a:endParaRPr lang="en-ID"/>
           </a:p>
@@ -1973,7 +1973,7 @@
           <a:p>
             <a:fld id="{3B5075FE-9510-4C86-B90D-100BD0AAB7EE}" type="datetimeFigureOut">
               <a:rPr lang="en-ID" smtClean="0"/>
-              <a:t>02/08/2023</a:t>
+              <a:t>26/08/2023</a:t>
             </a:fld>
             <a:endParaRPr lang="en-ID"/>
           </a:p>
@@ -2086,7 +2086,7 @@
           <a:p>
             <a:fld id="{3B5075FE-9510-4C86-B90D-100BD0AAB7EE}" type="datetimeFigureOut">
               <a:rPr lang="en-ID" smtClean="0"/>
-              <a:t>02/08/2023</a:t>
+              <a:t>26/08/2023</a:t>
             </a:fld>
             <a:endParaRPr lang="en-ID"/>
           </a:p>
@@ -2399,7 +2399,7 @@
           <a:p>
             <a:fld id="{3B5075FE-9510-4C86-B90D-100BD0AAB7EE}" type="datetimeFigureOut">
               <a:rPr lang="en-ID" smtClean="0"/>
-              <a:t>02/08/2023</a:t>
+              <a:t>26/08/2023</a:t>
             </a:fld>
             <a:endParaRPr lang="en-ID"/>
           </a:p>
@@ -2688,7 +2688,7 @@
           <a:p>
             <a:fld id="{3B5075FE-9510-4C86-B90D-100BD0AAB7EE}" type="datetimeFigureOut">
               <a:rPr lang="en-ID" smtClean="0"/>
-              <a:t>02/08/2023</a:t>
+              <a:t>26/08/2023</a:t>
             </a:fld>
             <a:endParaRPr lang="en-ID"/>
           </a:p>
@@ -2931,7 +2931,7 @@
           <a:p>
             <a:fld id="{3B5075FE-9510-4C86-B90D-100BD0AAB7EE}" type="datetimeFigureOut">
               <a:rPr lang="en-ID" smtClean="0"/>
-              <a:t>02/08/2023</a:t>
+              <a:t>26/08/2023</a:t>
             </a:fld>
             <a:endParaRPr lang="en-ID"/>
           </a:p>
@@ -3520,12 +3520,21 @@
         </p:nvSpPr>
         <p:spPr>
           <a:xfrm>
-            <a:off x="4123233" y="364789"/>
+            <a:off x="4123233" y="364787"/>
             <a:ext cx="3240000" cy="5760000"/>
           </a:xfrm>
           <a:prstGeom prst="roundRect">
             <a:avLst/>
           </a:prstGeom>
+          <a:scene3d>
+            <a:camera prst="orthographicFront"/>
+            <a:lightRig rig="threePt" dir="t"/>
+          </a:scene3d>
+          <a:sp3d contourW="12700">
+            <a:contourClr>
+              <a:schemeClr val="bg1"/>
+            </a:contourClr>
+          </a:sp3d>
         </p:spPr>
         <p:style>
           <a:lnRef idx="2">
@@ -3548,7 +3557,7 @@
           <a:lstStyle/>
           <a:p>
             <a:pPr algn="ctr"/>
-            <a:endParaRPr lang="en-ID"/>
+            <a:endParaRPr lang="en-ID" dirty="0"/>
           </a:p>
         </p:txBody>
       </p:sp>
@@ -3569,7 +3578,7 @@
         </p:nvCxnSpPr>
         <p:spPr>
           <a:xfrm>
-            <a:off x="5743233" y="364789"/>
+            <a:off x="5743233" y="364787"/>
             <a:ext cx="0" cy="5760000"/>
           </a:xfrm>
           <a:prstGeom prst="line">
@@ -3608,7 +3617,7 @@
         </p:nvCxnSpPr>
         <p:spPr>
           <a:xfrm>
-            <a:off x="4123233" y="3244789"/>
+            <a:off x="4123233" y="3244787"/>
             <a:ext cx="3240000" cy="0"/>
           </a:xfrm>
           <a:prstGeom prst="line">
@@ -3930,6 +3939,22 @@
             </a:pathLst>
           </a:custGeom>
           <a:noFill/>
+          <a:ln>
+            <a:solidFill>
+              <a:schemeClr val="bg1"/>
+            </a:solidFill>
+          </a:ln>
+          <a:effectLst/>
+          <a:scene3d>
+            <a:camera prst="orthographicFront"/>
+            <a:lightRig rig="threePt" dir="t"/>
+          </a:scene3d>
+          <a:sp3d contourW="12700">
+            <a:bevelT w="139700" prst="cross"/>
+            <a:contourClr>
+              <a:schemeClr val="bg1"/>
+            </a:contourClr>
+          </a:sp3d>
         </p:spPr>
         <p:style>
           <a:lnRef idx="2">
@@ -5277,6 +5302,69 @@
           <a:p>
             <a:pPr algn="ctr"/>
             <a:endParaRPr lang="en-ID"/>
+          </a:p>
+        </p:txBody>
+      </p:sp>
+      <p:sp>
+        <p:nvSpPr>
+          <p:cNvPr id="19" name="Circle: Hollow 18">
+            <a:extLst>
+              <a:ext uri="{FF2B5EF4-FFF2-40B4-BE49-F238E27FC236}">
+                <a16:creationId xmlns:a16="http://schemas.microsoft.com/office/drawing/2014/main" id="{5AA3ED02-2AAB-312E-2FA7-5AA35C7EF78D}"/>
+              </a:ext>
+            </a:extLst>
+          </p:cNvPr>
+          <p:cNvSpPr/>
+          <p:nvPr/>
+        </p:nvSpPr>
+        <p:spPr>
+          <a:xfrm>
+            <a:off x="4381500" y="1732219"/>
+            <a:ext cx="1264920" cy="1264920"/>
+          </a:xfrm>
+          <a:prstGeom prst="donut">
+            <a:avLst/>
+          </a:prstGeom>
+          <a:solidFill>
+            <a:schemeClr val="bg1"/>
+          </a:solidFill>
+          <a:ln>
+            <a:solidFill>
+              <a:schemeClr val="bg1"/>
+            </a:solidFill>
+          </a:ln>
+          <a:effectLst>
+            <a:outerShdw blurRad="63500" sx="102000" sy="102000" algn="ctr" rotWithShape="0">
+              <a:schemeClr val="bg1"/>
+            </a:outerShdw>
+          </a:effectLst>
+        </p:spPr>
+        <p:style>
+          <a:lnRef idx="2">
+            <a:schemeClr val="accent1">
+              <a:shade val="50000"/>
+            </a:schemeClr>
+          </a:lnRef>
+          <a:fillRef idx="1">
+            <a:schemeClr val="accent1"/>
+          </a:fillRef>
+          <a:effectRef idx="0">
+            <a:schemeClr val="accent1"/>
+          </a:effectRef>
+          <a:fontRef idx="minor">
+            <a:schemeClr val="lt1"/>
+          </a:fontRef>
+        </p:style>
+        <p:txBody>
+          <a:bodyPr rtlCol="0" anchor="ctr"/>
+          <a:lstStyle/>
+          <a:p>
+            <a:pPr algn="ctr"/>
+            <a:endParaRPr lang="en-ID">
+              <a:solidFill>
+                <a:schemeClr val="tx1"/>
+              </a:solidFill>
+            </a:endParaRPr>
           </a:p>
         </p:txBody>
       </p:sp>
